--- a/stock_learning_rnn/DL Final Presentation_v3.pptx
+++ b/stock_learning_rnn/DL Final Presentation_v3.pptx
@@ -196,7 +196,7 @@
       </p14:sectionLst>
     </p:ext>
     <p:ext uri="{EFAFB233-063F-42B5-8137-9DF3F51BA10A}">
-      <p15:sldGuideLst xmlns:p15="http://schemas.microsoft.com/office/powerpoint/2012/main" xmlns="">
+      <p15:sldGuideLst xmlns="" xmlns:p15="http://schemas.microsoft.com/office/powerpoint/2012/main">
         <p15:guide id="1" orient="horz" pos="3997" userDrawn="1">
           <p15:clr>
             <a:srgbClr val="A4A3A4"/>
@@ -270,7 +270,7 @@
       </p15:sldGuideLst>
     </p:ext>
     <p:ext uri="{2D200454-40CA-4A62-9FC3-DE9A4176ACB9}">
-      <p15:notesGuideLst xmlns:p15="http://schemas.microsoft.com/office/powerpoint/2012/main" xmlns="">
+      <p15:notesGuideLst xmlns="" xmlns:p15="http://schemas.microsoft.com/office/powerpoint/2012/main">
         <p15:guide id="1" orient="horz" pos="3128" userDrawn="1">
           <p15:clr>
             <a:srgbClr val="A4A3A4"/>
@@ -3814,15 +3814,7 @@
                 <a:ea typeface="맑은 고딕" panose="020B0503020000020004" pitchFamily="50" charset="-127"/>
                 <a:cs typeface="Arial" panose="020B0604020202020204" pitchFamily="34" charset="0"/>
               </a:rPr>
-              <a:t>동시에 모의 투자 </a:t>
-            </a:r>
-            <a:r>
-              <a:rPr lang="ko-KR" altLang="en-US" sz="2000" b="1" dirty="0" smtClean="0">
-                <a:latin typeface="Arial" panose="020B0604020202020204" pitchFamily="34" charset="0"/>
-                <a:ea typeface="맑은 고딕" panose="020B0503020000020004" pitchFamily="50" charset="-127"/>
-                <a:cs typeface="Arial" panose="020B0604020202020204" pitchFamily="34" charset="0"/>
-              </a:rPr>
-              <a:t>실시</a:t>
+              <a:t>동시에 모의 투자 실시</a:t>
             </a:r>
             <a:endParaRPr lang="en-US" altLang="ko-KR" sz="2000" b="1" dirty="0">
               <a:latin typeface="Arial" panose="020B0604020202020204" pitchFamily="34" charset="0"/>
@@ -4156,6 +4148,14 @@
               </a:rPr>
               <a:t>– 2% </a:t>
             </a:r>
+            <a:r>
+              <a:rPr lang="ko-KR" altLang="en-US" sz="2000" b="1" dirty="0" smtClean="0">
+                <a:latin typeface="Arial" panose="020B0604020202020204" pitchFamily="34" charset="0"/>
+                <a:ea typeface="맑은 고딕" panose="020B0503020000020004" pitchFamily="50" charset="-127"/>
+                <a:cs typeface="Arial" panose="020B0604020202020204" pitchFamily="34" charset="0"/>
+              </a:rPr>
+              <a:t>상승</a:t>
+            </a:r>
             <a:endParaRPr lang="en-US" altLang="ko-KR" sz="2000" b="1" dirty="0">
               <a:latin typeface="Arial" panose="020B0604020202020204" pitchFamily="34" charset="0"/>
               <a:ea typeface="맑은 고딕" panose="020B0503020000020004" pitchFamily="50" charset="-127"/>
@@ -4236,6 +4236,14 @@
                 <a:cs typeface="Arial" panose="020B0604020202020204" pitchFamily="34" charset="0"/>
               </a:rPr>
               <a:t>4.3% </a:t>
+            </a:r>
+            <a:r>
+              <a:rPr lang="ko-KR" altLang="en-US" sz="2000" b="1" dirty="0" smtClean="0">
+                <a:latin typeface="Arial" panose="020B0604020202020204" pitchFamily="34" charset="0"/>
+                <a:ea typeface="맑은 고딕" panose="020B0503020000020004" pitchFamily="50" charset="-127"/>
+                <a:cs typeface="Arial" panose="020B0604020202020204" pitchFamily="34" charset="0"/>
+              </a:rPr>
+              <a:t>상승</a:t>
             </a:r>
             <a:endParaRPr lang="en-US" altLang="ko-KR" sz="2000" b="1" dirty="0">
               <a:latin typeface="Arial" panose="020B0604020202020204" pitchFamily="34" charset="0"/>
@@ -12895,7 +12903,15 @@
                 <a:ea typeface="맑은 고딕" panose="020B0503020000020004" pitchFamily="50" charset="-127"/>
                 <a:cs typeface="Arial" panose="020B0604020202020204" pitchFamily="34" charset="0"/>
               </a:rPr>
-              <a:t>(2015</a:t>
+              <a:t>(</a:t>
+            </a:r>
+            <a:r>
+              <a:rPr lang="en-US" altLang="ko-KR" sz="2000" b="1" dirty="0" smtClean="0">
+                <a:latin typeface="Arial" panose="020B0604020202020204" pitchFamily="34" charset="0"/>
+                <a:ea typeface="맑은 고딕" panose="020B0503020000020004" pitchFamily="50" charset="-127"/>
+                <a:cs typeface="Arial" panose="020B0604020202020204" pitchFamily="34" charset="0"/>
+              </a:rPr>
+              <a:t>2005</a:t>
             </a:r>
             <a:r>
               <a:rPr lang="ko-KR" altLang="en-US" sz="2000" b="1" dirty="0" smtClean="0">
@@ -12911,7 +12927,7 @@
                 <a:ea typeface="맑은 고딕" panose="020B0503020000020004" pitchFamily="50" charset="-127"/>
                 <a:cs typeface="Arial" panose="020B0604020202020204" pitchFamily="34" charset="0"/>
               </a:rPr>
-              <a:t>5</a:t>
+              <a:t>4</a:t>
             </a:r>
             <a:r>
               <a:rPr lang="ko-KR" altLang="en-US" sz="2000" b="1" dirty="0" smtClean="0">
@@ -12919,48 +12935,61 @@
                 <a:ea typeface="맑은 고딕" panose="020B0503020000020004" pitchFamily="50" charset="-127"/>
                 <a:cs typeface="Arial" panose="020B0604020202020204" pitchFamily="34" charset="0"/>
               </a:rPr>
+              <a:t>월 말 </a:t>
+            </a:r>
+            <a:r>
+              <a:rPr lang="en-US" altLang="ko-KR" sz="2000" b="1" dirty="0" smtClean="0">
+                <a:latin typeface="Arial" panose="020B0604020202020204" pitchFamily="34" charset="0"/>
+                <a:ea typeface="맑은 고딕" panose="020B0503020000020004" pitchFamily="50" charset="-127"/>
+                <a:cs typeface="Arial" panose="020B0604020202020204" pitchFamily="34" charset="0"/>
+              </a:rPr>
+              <a:t>~ 2017</a:t>
+            </a:r>
+            <a:r>
+              <a:rPr lang="ko-KR" altLang="en-US" sz="2000" b="1" dirty="0" smtClean="0">
+                <a:latin typeface="Arial" panose="020B0604020202020204" pitchFamily="34" charset="0"/>
+                <a:ea typeface="맑은 고딕" panose="020B0503020000020004" pitchFamily="50" charset="-127"/>
+                <a:cs typeface="Arial" panose="020B0604020202020204" pitchFamily="34" charset="0"/>
+              </a:rPr>
+              <a:t>년 </a:t>
+            </a:r>
+            <a:r>
+              <a:rPr lang="en-US" altLang="ko-KR" sz="2000" b="1" dirty="0" smtClean="0">
+                <a:latin typeface="Arial" panose="020B0604020202020204" pitchFamily="34" charset="0"/>
+                <a:ea typeface="맑은 고딕" panose="020B0503020000020004" pitchFamily="50" charset="-127"/>
+                <a:cs typeface="Arial" panose="020B0604020202020204" pitchFamily="34" charset="0"/>
+              </a:rPr>
+              <a:t>7</a:t>
+            </a:r>
+            <a:r>
+              <a:rPr lang="ko-KR" altLang="en-US" sz="2000" b="1" dirty="0" smtClean="0">
+                <a:latin typeface="Arial" panose="020B0604020202020204" pitchFamily="34" charset="0"/>
+                <a:ea typeface="맑은 고딕" panose="020B0503020000020004" pitchFamily="50" charset="-127"/>
+                <a:cs typeface="Arial" panose="020B0604020202020204" pitchFamily="34" charset="0"/>
+              </a:rPr>
               <a:t>월 </a:t>
             </a:r>
             <a:r>
+              <a:rPr lang="ko-KR" altLang="en-US" sz="2000" b="1" dirty="0">
+                <a:latin typeface="Arial" panose="020B0604020202020204" pitchFamily="34" charset="0"/>
+                <a:ea typeface="맑은 고딕" panose="020B0503020000020004" pitchFamily="50" charset="-127"/>
+                <a:cs typeface="Arial" panose="020B0604020202020204" pitchFamily="34" charset="0"/>
+              </a:rPr>
+              <a:t>초</a:t>
+            </a:r>
+            <a:r>
               <a:rPr lang="en-US" altLang="ko-KR" sz="2000" b="1" dirty="0" smtClean="0">
                 <a:latin typeface="Arial" panose="020B0604020202020204" pitchFamily="34" charset="0"/>
                 <a:ea typeface="맑은 고딕" panose="020B0503020000020004" pitchFamily="50" charset="-127"/>
                 <a:cs typeface="Arial" panose="020B0604020202020204" pitchFamily="34" charset="0"/>
               </a:rPr>
-              <a:t>~ 2017</a:t>
-            </a:r>
-            <a:r>
-              <a:rPr lang="ko-KR" altLang="en-US" sz="2000" b="1" dirty="0" smtClean="0">
-                <a:latin typeface="Arial" panose="020B0604020202020204" pitchFamily="34" charset="0"/>
-                <a:ea typeface="맑은 고딕" panose="020B0503020000020004" pitchFamily="50" charset="-127"/>
-                <a:cs typeface="Arial" panose="020B0604020202020204" pitchFamily="34" charset="0"/>
-              </a:rPr>
-              <a:t>년 </a:t>
-            </a:r>
-            <a:r>
-              <a:rPr lang="en-US" altLang="ko-KR" sz="2000" b="1" dirty="0" smtClean="0">
-                <a:latin typeface="Arial" panose="020B0604020202020204" pitchFamily="34" charset="0"/>
-                <a:ea typeface="맑은 고딕" panose="020B0503020000020004" pitchFamily="50" charset="-127"/>
-                <a:cs typeface="Arial" panose="020B0604020202020204" pitchFamily="34" charset="0"/>
-              </a:rPr>
-              <a:t>6</a:t>
-            </a:r>
-            <a:r>
-              <a:rPr lang="ko-KR" altLang="en-US" sz="2000" b="1" dirty="0" smtClean="0">
-                <a:latin typeface="Arial" panose="020B0604020202020204" pitchFamily="34" charset="0"/>
-                <a:ea typeface="맑은 고딕" panose="020B0503020000020004" pitchFamily="50" charset="-127"/>
-                <a:cs typeface="Arial" panose="020B0604020202020204" pitchFamily="34" charset="0"/>
-              </a:rPr>
-              <a:t>월</a:t>
-            </a:r>
-            <a:r>
-              <a:rPr lang="en-US" altLang="ko-KR" sz="2000" b="1" dirty="0" smtClean="0">
-                <a:latin typeface="Arial" panose="020B0604020202020204" pitchFamily="34" charset="0"/>
-                <a:ea typeface="맑은 고딕" panose="020B0503020000020004" pitchFamily="50" charset="-127"/>
-                <a:cs typeface="Arial" panose="020B0604020202020204" pitchFamily="34" charset="0"/>
-              </a:rPr>
               <a:t>)</a:t>
             </a:r>
+            <a:endParaRPr lang="en-US" altLang="ko-KR" sz="2000" b="1" dirty="0" smtClean="0">
+              <a:latin typeface="Arial" panose="020B0604020202020204" pitchFamily="34" charset="0"/>
+              <a:ea typeface="맑은 고딕" panose="020B0503020000020004" pitchFamily="50" charset="-127"/>
+              <a:cs typeface="Arial" panose="020B0604020202020204" pitchFamily="34" charset="0"/>
+            </a:endParaRPr>
           </a:p>
         </p:txBody>
       </p:sp>
@@ -14855,7 +14884,35 @@
             </a:r>
             <a:r>
               <a:rPr lang="en-US" altLang="ko-KR" dirty="0"/>
-              <a:t>)), tf.float32) loss = </a:t>
+              <a:t>)), tf.float32) </a:t>
+            </a:r>
+            <a:endParaRPr lang="en-US" altLang="ko-KR" dirty="0" smtClean="0"/>
+          </a:p>
+          <a:p>
+            <a:pPr marL="0" marR="0" lvl="0" indent="0" algn="l" defTabSz="914400" eaLnBrk="0" fontAlgn="auto" latinLnBrk="0" hangingPunct="1">
+              <a:lnSpc>
+                <a:spcPct val="100000"/>
+              </a:lnSpc>
+              <a:spcBef>
+                <a:spcPts val="0"/>
+              </a:spcBef>
+              <a:spcAft>
+                <a:spcPts val="0"/>
+              </a:spcAft>
+              <a:buClrTx/>
+              <a:buSzTx/>
+              <a:buFontTx/>
+              <a:buNone/>
+              <a:tabLst/>
+              <a:defRPr/>
+            </a:pPr>
+            <a:r>
+              <a:rPr lang="en-US" altLang="ko-KR" dirty="0" smtClean="0"/>
+              <a:t>loss </a:t>
+            </a:r>
+            <a:r>
+              <a:rPr lang="en-US" altLang="ko-KR" dirty="0"/>
+              <a:t>= </a:t>
             </a:r>
             <a:r>
               <a:rPr lang="en-US" altLang="ko-KR" dirty="0" err="1"/>
@@ -16462,8 +16519,8 @@
         </p:blipFill>
         <p:spPr>
           <a:xfrm>
-            <a:off x="124430" y="2753747"/>
-            <a:ext cx="4336638" cy="3092796"/>
+            <a:off x="30441" y="2840827"/>
+            <a:ext cx="4781339" cy="3409947"/>
           </a:xfrm>
           <a:prstGeom prst="rect">
             <a:avLst/>
@@ -16492,8 +16549,8 @@
         </p:blipFill>
         <p:spPr>
           <a:xfrm>
-            <a:off x="4356730" y="2771481"/>
-            <a:ext cx="4916020" cy="3493296"/>
+            <a:off x="4745105" y="2878927"/>
+            <a:ext cx="4594320" cy="3264698"/>
           </a:xfrm>
           <a:prstGeom prst="rect">
             <a:avLst/>
@@ -16762,7 +16819,15 @@
                 <a:ea typeface="맑은 고딕" panose="020B0503020000020004" pitchFamily="50" charset="-127"/>
                 <a:cs typeface="Arial" panose="020B0604020202020204" pitchFamily="34" charset="0"/>
               </a:rPr>
-              <a:t>매매 </a:t>
+              <a:t>매매 수수료 </a:t>
+            </a:r>
+            <a:r>
+              <a:rPr lang="en-US" altLang="ko-KR" sz="2000" b="1" dirty="0" smtClean="0">
+                <a:latin typeface="Arial" panose="020B0604020202020204" pitchFamily="34" charset="0"/>
+                <a:ea typeface="맑은 고딕" panose="020B0503020000020004" pitchFamily="50" charset="-127"/>
+                <a:cs typeface="Arial" panose="020B0604020202020204" pitchFamily="34" charset="0"/>
+              </a:rPr>
+              <a:t>0.015%, </a:t>
             </a:r>
             <a:r>
               <a:rPr lang="ko-KR" altLang="en-US" sz="2000" b="1" dirty="0" smtClean="0">
@@ -16770,7 +16835,7 @@
                 <a:ea typeface="맑은 고딕" panose="020B0503020000020004" pitchFamily="50" charset="-127"/>
                 <a:cs typeface="Arial" panose="020B0604020202020204" pitchFamily="34" charset="0"/>
               </a:rPr>
-              <a:t>수수료 </a:t>
+              <a:t>매도세금 </a:t>
             </a:r>
             <a:r>
               <a:rPr lang="en-US" altLang="ko-KR" sz="2000" b="1" dirty="0" smtClean="0">
@@ -16778,31 +16843,7 @@
                 <a:ea typeface="맑은 고딕" panose="020B0503020000020004" pitchFamily="50" charset="-127"/>
                 <a:cs typeface="Arial" panose="020B0604020202020204" pitchFamily="34" charset="0"/>
               </a:rPr>
-              <a:t>0.015%, </a:t>
-            </a:r>
-            <a:r>
-              <a:rPr lang="ko-KR" altLang="en-US" sz="2000" b="1" dirty="0" smtClean="0">
-                <a:latin typeface="Arial" panose="020B0604020202020204" pitchFamily="34" charset="0"/>
-                <a:ea typeface="맑은 고딕" panose="020B0503020000020004" pitchFamily="50" charset="-127"/>
-                <a:cs typeface="Arial" panose="020B0604020202020204" pitchFamily="34" charset="0"/>
-              </a:rPr>
-              <a:t>매도세금 </a:t>
-            </a:r>
-            <a:r>
-              <a:rPr lang="en-US" altLang="ko-KR" sz="2000" b="1" dirty="0" smtClean="0">
-                <a:latin typeface="Arial" panose="020B0604020202020204" pitchFamily="34" charset="0"/>
-                <a:ea typeface="맑은 고딕" panose="020B0503020000020004" pitchFamily="50" charset="-127"/>
-                <a:cs typeface="Arial" panose="020B0604020202020204" pitchFamily="34" charset="0"/>
-              </a:rPr>
-              <a:t>0.5</a:t>
-            </a:r>
-            <a:r>
-              <a:rPr lang="en-US" altLang="ko-KR" sz="2000" b="1" dirty="0" smtClean="0">
-                <a:latin typeface="Arial" panose="020B0604020202020204" pitchFamily="34" charset="0"/>
-                <a:ea typeface="맑은 고딕" panose="020B0503020000020004" pitchFamily="50" charset="-127"/>
-                <a:cs typeface="Arial" panose="020B0604020202020204" pitchFamily="34" charset="0"/>
-              </a:rPr>
-              <a:t>% </a:t>
+              <a:t>0.5% </a:t>
             </a:r>
             <a:r>
               <a:rPr lang="ko-KR" altLang="en-US" sz="2000" b="1" dirty="0" smtClean="0">
@@ -16835,15 +16876,7 @@
                 <a:ea typeface="맑은 고딕" panose="020B0503020000020004" pitchFamily="50" charset="-127"/>
                 <a:cs typeface="Arial" panose="020B0604020202020204" pitchFamily="34" charset="0"/>
               </a:rPr>
-              <a:t>각 </a:t>
-            </a:r>
-            <a:r>
-              <a:rPr lang="ko-KR" altLang="en-US" sz="2000" b="1" dirty="0" smtClean="0">
-                <a:latin typeface="Arial" panose="020B0604020202020204" pitchFamily="34" charset="0"/>
-                <a:ea typeface="맑은 고딕" panose="020B0503020000020004" pitchFamily="50" charset="-127"/>
-                <a:cs typeface="Arial" panose="020B0604020202020204" pitchFamily="34" charset="0"/>
-              </a:rPr>
-              <a:t>주식에 </a:t>
+              <a:t>각 주식에 </a:t>
             </a:r>
             <a:r>
               <a:rPr lang="en-US" altLang="ko-KR" sz="2000" b="1" dirty="0" smtClean="0">
@@ -16900,15 +16933,7 @@
                 <a:ea typeface="맑은 고딕" panose="020B0503020000020004" pitchFamily="50" charset="-127"/>
                 <a:cs typeface="Arial" panose="020B0604020202020204" pitchFamily="34" charset="0"/>
               </a:rPr>
-              <a:t>오를 것으로 예측되면 주식을 사고 내릴 것으로 </a:t>
-            </a:r>
-            <a:r>
-              <a:rPr lang="ko-KR" altLang="en-US" sz="2000" b="1" dirty="0" smtClean="0">
-                <a:latin typeface="Arial" panose="020B0604020202020204" pitchFamily="34" charset="0"/>
-                <a:ea typeface="맑은 고딕" panose="020B0503020000020004" pitchFamily="50" charset="-127"/>
-                <a:cs typeface="Arial" panose="020B0604020202020204" pitchFamily="34" charset="0"/>
-              </a:rPr>
-              <a:t>예측되면 팜</a:t>
+              <a:t>오를 것으로 예측되면 주식을 사고 내릴 것으로 예측되면 팜</a:t>
             </a:r>
             <a:endParaRPr lang="en-US" altLang="ko-KR" sz="2000" b="1" dirty="0">
               <a:latin typeface="Arial" panose="020B0604020202020204" pitchFamily="34" charset="0"/>
@@ -16933,23 +16958,7 @@
                 <a:ea typeface="맑은 고딕" panose="020B0503020000020004" pitchFamily="50" charset="-127"/>
                 <a:cs typeface="Arial" panose="020B0604020202020204" pitchFamily="34" charset="0"/>
               </a:rPr>
-              <a:t>오늘의 종가와 예측 값의</a:t>
-            </a:r>
-            <a:r>
-              <a:rPr lang="ko-KR" altLang="en-US" sz="2000" b="1" dirty="0" smtClean="0">
-                <a:latin typeface="Arial" panose="020B0604020202020204" pitchFamily="34" charset="0"/>
-                <a:ea typeface="맑은 고딕" panose="020B0503020000020004" pitchFamily="50" charset="-127"/>
-                <a:cs typeface="Arial" panose="020B0604020202020204" pitchFamily="34" charset="0"/>
-              </a:rPr>
-              <a:t> </a:t>
-            </a:r>
-            <a:r>
-              <a:rPr lang="ko-KR" altLang="en-US" sz="2000" b="1" dirty="0" smtClean="0">
-                <a:latin typeface="Arial" panose="020B0604020202020204" pitchFamily="34" charset="0"/>
-                <a:ea typeface="맑은 고딕" panose="020B0503020000020004" pitchFamily="50" charset="-127"/>
-                <a:cs typeface="Arial" panose="020B0604020202020204" pitchFamily="34" charset="0"/>
-              </a:rPr>
-              <a:t>간격이 </a:t>
+              <a:t>오늘의 종가와 예측 값의 간격이 </a:t>
             </a:r>
             <a:r>
               <a:rPr lang="en-US" altLang="ko-KR" sz="2000" b="1" dirty="0" smtClean="0">
@@ -16990,7 +16999,15 @@
                 <a:ea typeface="맑은 고딕" panose="020B0503020000020004" pitchFamily="50" charset="-127"/>
                 <a:cs typeface="Arial" panose="020B0604020202020204" pitchFamily="34" charset="0"/>
               </a:rPr>
-              <a:t>예측 전에 테스트 데이터를 학습시킴 </a:t>
+              <a:t>모의투자 </a:t>
+            </a:r>
+            <a:r>
+              <a:rPr lang="ko-KR" altLang="en-US" sz="2000" b="1" dirty="0" smtClean="0">
+                <a:latin typeface="Arial" panose="020B0604020202020204" pitchFamily="34" charset="0"/>
+                <a:ea typeface="맑은 고딕" panose="020B0503020000020004" pitchFamily="50" charset="-127"/>
+                <a:cs typeface="Arial" panose="020B0604020202020204" pitchFamily="34" charset="0"/>
+              </a:rPr>
+              <a:t>전에 테스트 데이터를 학습시킴 </a:t>
             </a:r>
             <a:r>
               <a:rPr lang="en-US" altLang="ko-KR" sz="2000" b="1" dirty="0" smtClean="0">
@@ -17050,7 +17067,23 @@
                 <a:ea typeface="맑은 고딕" panose="020B0503020000020004" pitchFamily="50" charset="-127"/>
                 <a:cs typeface="Arial" panose="020B0604020202020204" pitchFamily="34" charset="0"/>
               </a:rPr>
-              <a:t>예측이 끝난 오늘의 데이터도 학습시킴 </a:t>
+              <a:t>예측이 끝난 </a:t>
+            </a:r>
+            <a:r>
+              <a:rPr lang="ko-KR" altLang="en-US" sz="2000" b="1" dirty="0" smtClean="0">
+                <a:latin typeface="Arial" panose="020B0604020202020204" pitchFamily="34" charset="0"/>
+                <a:ea typeface="맑은 고딕" panose="020B0503020000020004" pitchFamily="50" charset="-127"/>
+                <a:cs typeface="Arial" panose="020B0604020202020204" pitchFamily="34" charset="0"/>
+              </a:rPr>
+              <a:t>데이터도  </a:t>
+            </a:r>
+            <a:r>
+              <a:rPr lang="ko-KR" altLang="en-US" sz="2000" b="1" dirty="0" smtClean="0">
+                <a:latin typeface="Arial" panose="020B0604020202020204" pitchFamily="34" charset="0"/>
+                <a:ea typeface="맑은 고딕" panose="020B0503020000020004" pitchFamily="50" charset="-127"/>
+                <a:cs typeface="Arial" panose="020B0604020202020204" pitchFamily="34" charset="0"/>
+              </a:rPr>
+              <a:t>학습시킴 </a:t>
             </a:r>
             <a:r>
               <a:rPr lang="en-US" altLang="ko-KR" sz="2000" b="1" dirty="0">
@@ -17092,11 +17125,6 @@
               </a:rPr>
               <a:t>)</a:t>
             </a:r>
-            <a:endParaRPr lang="en-US" altLang="ko-KR" sz="2000" b="1" dirty="0">
-              <a:latin typeface="Arial" panose="020B0604020202020204" pitchFamily="34" charset="0"/>
-              <a:ea typeface="맑은 고딕" panose="020B0503020000020004" pitchFamily="50" charset="-127"/>
-              <a:cs typeface="Arial" panose="020B0604020202020204" pitchFamily="34" charset="0"/>
-            </a:endParaRPr>
           </a:p>
         </p:txBody>
       </p:sp>
